--- a/Slide_Buoi1.pptx
+++ b/Slide_Buoi1.pptx
@@ -5990,7 +5990,7 @@
       <dgm:spPr/>
     </dgm:pt>
     <dgm:pt modelId="{D5DA7C04-D38C-4A3C-8781-3BEEB1CAA026}" type="pres">
-      <dgm:prSet presAssocID="{B563A107-5195-4B70-A043-AD930837207B}" presName="parentText" presStyleLbl="node1" presStyleIdx="2" presStyleCnt="3">
+      <dgm:prSet presAssocID="{B563A107-5195-4B70-A043-AD930837207B}" presName="parentText" presStyleLbl="node1" presStyleIdx="2" presStyleCnt="3" custLinFactY="-60675" custLinFactNeighborX="-27739" custLinFactNeighborY="-100000">
         <dgm:presLayoutVars>
           <dgm:chMax val="0"/>
           <dgm:bulletEnabled val="1"/>
@@ -7484,7 +7484,7 @@
       </dsp:nvSpPr>
       <dsp:spPr>
         <a:xfrm>
-          <a:off x="0" y="3769950"/>
+          <a:off x="0" y="2581223"/>
           <a:ext cx="5175384" cy="1750320"/>
         </a:xfrm>
         <a:prstGeom prst="roundRect">
@@ -7550,7 +7550,7 @@
         </a:p>
       </dsp:txBody>
       <dsp:txXfrm>
-        <a:off x="85444" y="3855394"/>
+        <a:off x="85444" y="2666667"/>
         <a:ext cx="5004496" cy="1579432"/>
       </dsp:txXfrm>
     </dsp:sp>
@@ -22064,7 +22064,7 @@
             <p:ph idx="1"/>
             <p:extLst>
               <p:ext uri="{D42A27DB-BD31-4B8C-83A1-F6EECF244321}">
-                <p14:modId xmlns:p14="http://schemas.microsoft.com/office/powerpoint/2010/main" val="2859671142"/>
+                <p14:modId xmlns:p14="http://schemas.microsoft.com/office/powerpoint/2010/main" val="4101408784"/>
               </p:ext>
             </p:extLst>
           </p:nvPr>
